--- a/docs/songs/yes and amen.pptx
+++ b/docs/songs/yes and amen.pptx
@@ -5,16 +5,18 @@
     <p:sldMasterId id="2147483648" r:id="rId1"/>
   </p:sldMasterIdLst>
   <p:notesMasterIdLst>
-    <p:notesMasterId r:id="rId9"/>
+    <p:notesMasterId r:id="rId11"/>
   </p:notesMasterIdLst>
   <p:sldIdLst>
-    <p:sldId id="702" r:id="rId2"/>
-    <p:sldId id="703" r:id="rId3"/>
-    <p:sldId id="704" r:id="rId4"/>
-    <p:sldId id="705" r:id="rId5"/>
+    <p:sldId id="1423" r:id="rId2"/>
+    <p:sldId id="1424" r:id="rId3"/>
+    <p:sldId id="1425" r:id="rId4"/>
+    <p:sldId id="1426" r:id="rId5"/>
     <p:sldId id="706" r:id="rId6"/>
     <p:sldId id="707" r:id="rId7"/>
     <p:sldId id="708" r:id="rId8"/>
+    <p:sldId id="1429" r:id="rId9"/>
+    <p:sldId id="1430" r:id="rId10"/>
   </p:sldIdLst>
   <p:sldSz cx="9144000" cy="6858000" type="screen4x3"/>
   <p:notesSz cx="6858000" cy="9144000"/>
@@ -214,7 +216,7 @@
           <a:p>
             <a:fld id="{C57EAEFC-A9C7-464E-BE3F-33D4DD72E122}" type="datetimeFigureOut">
               <a:rPr lang="en-GB" smtClean="0"/>
-              <a:t>03/11/2025</a:t>
+              <a:t>21/12/2025</a:t>
             </a:fld>
             <a:endParaRPr lang="en-GB"/>
           </a:p>
@@ -664,7 +666,7 @@
             <a:fld id="{26EA1CF3-4A15-4CBF-9A5A-6A56C368BE71}" type="datetimeFigureOut">
               <a:rPr lang="en-GB" smtClean="0"/>
               <a:pPr/>
-              <a:t>03/11/2025</a:t>
+              <a:t>21/12/2025</a:t>
             </a:fld>
             <a:endParaRPr lang="en-GB"/>
           </a:p>
@@ -831,7 +833,7 @@
             <a:fld id="{26EA1CF3-4A15-4CBF-9A5A-6A56C368BE71}" type="datetimeFigureOut">
               <a:rPr lang="en-GB" smtClean="0"/>
               <a:pPr/>
-              <a:t>03/11/2025</a:t>
+              <a:t>21/12/2025</a:t>
             </a:fld>
             <a:endParaRPr lang="en-GB"/>
           </a:p>
@@ -1008,7 +1010,7 @@
             <a:fld id="{26EA1CF3-4A15-4CBF-9A5A-6A56C368BE71}" type="datetimeFigureOut">
               <a:rPr lang="en-GB" smtClean="0"/>
               <a:pPr/>
-              <a:t>03/11/2025</a:t>
+              <a:t>21/12/2025</a:t>
             </a:fld>
             <a:endParaRPr lang="en-GB"/>
           </a:p>
@@ -1175,7 +1177,7 @@
             <a:fld id="{26EA1CF3-4A15-4CBF-9A5A-6A56C368BE71}" type="datetimeFigureOut">
               <a:rPr lang="en-GB" smtClean="0"/>
               <a:pPr/>
-              <a:t>03/11/2025</a:t>
+              <a:t>21/12/2025</a:t>
             </a:fld>
             <a:endParaRPr lang="en-GB"/>
           </a:p>
@@ -1418,7 +1420,7 @@
             <a:fld id="{26EA1CF3-4A15-4CBF-9A5A-6A56C368BE71}" type="datetimeFigureOut">
               <a:rPr lang="en-GB" smtClean="0"/>
               <a:pPr/>
-              <a:t>03/11/2025</a:t>
+              <a:t>21/12/2025</a:t>
             </a:fld>
             <a:endParaRPr lang="en-GB"/>
           </a:p>
@@ -1703,7 +1705,7 @@
             <a:fld id="{26EA1CF3-4A15-4CBF-9A5A-6A56C368BE71}" type="datetimeFigureOut">
               <a:rPr lang="en-GB" smtClean="0"/>
               <a:pPr/>
-              <a:t>03/11/2025</a:t>
+              <a:t>21/12/2025</a:t>
             </a:fld>
             <a:endParaRPr lang="en-GB"/>
           </a:p>
@@ -2122,7 +2124,7 @@
             <a:fld id="{26EA1CF3-4A15-4CBF-9A5A-6A56C368BE71}" type="datetimeFigureOut">
               <a:rPr lang="en-GB" smtClean="0"/>
               <a:pPr/>
-              <a:t>03/11/2025</a:t>
+              <a:t>21/12/2025</a:t>
             </a:fld>
             <a:endParaRPr lang="en-GB"/>
           </a:p>
@@ -2237,7 +2239,7 @@
             <a:fld id="{26EA1CF3-4A15-4CBF-9A5A-6A56C368BE71}" type="datetimeFigureOut">
               <a:rPr lang="en-GB" smtClean="0"/>
               <a:pPr/>
-              <a:t>03/11/2025</a:t>
+              <a:t>21/12/2025</a:t>
             </a:fld>
             <a:endParaRPr lang="en-GB"/>
           </a:p>
@@ -2329,7 +2331,7 @@
             <a:fld id="{26EA1CF3-4A15-4CBF-9A5A-6A56C368BE71}" type="datetimeFigureOut">
               <a:rPr lang="en-GB" smtClean="0"/>
               <a:pPr/>
-              <a:t>03/11/2025</a:t>
+              <a:t>21/12/2025</a:t>
             </a:fld>
             <a:endParaRPr lang="en-GB"/>
           </a:p>
@@ -2603,7 +2605,7 @@
             <a:fld id="{26EA1CF3-4A15-4CBF-9A5A-6A56C368BE71}" type="datetimeFigureOut">
               <a:rPr lang="en-GB" smtClean="0"/>
               <a:pPr/>
-              <a:t>03/11/2025</a:t>
+              <a:t>21/12/2025</a:t>
             </a:fld>
             <a:endParaRPr lang="en-GB"/>
           </a:p>
@@ -2853,7 +2855,7 @@
             <a:fld id="{26EA1CF3-4A15-4CBF-9A5A-6A56C368BE71}" type="datetimeFigureOut">
               <a:rPr lang="en-GB" smtClean="0"/>
               <a:pPr/>
-              <a:t>03/11/2025</a:t>
+              <a:t>21/12/2025</a:t>
             </a:fld>
             <a:endParaRPr lang="en-GB"/>
           </a:p>
@@ -3062,7 +3064,7 @@
             <a:fld id="{26EA1CF3-4A15-4CBF-9A5A-6A56C368BE71}" type="datetimeFigureOut">
               <a:rPr lang="en-GB" smtClean="0"/>
               <a:pPr/>
-              <a:t>03/11/2025</a:t>
+              <a:t>21/12/2025</a:t>
             </a:fld>
             <a:endParaRPr lang="en-GB"/>
           </a:p>
@@ -3695,7 +3697,7 @@
     </p:spTree>
     <p:extLst>
       <p:ext uri="{BB962C8B-B14F-4D97-AF65-F5344CB8AC3E}">
-        <p14:creationId xmlns:p14="http://schemas.microsoft.com/office/powerpoint/2010/main" val="1150329515"/>
+        <p14:creationId xmlns:p14="http://schemas.microsoft.com/office/powerpoint/2010/main" val="3660983005"/>
       </p:ext>
     </p:extLst>
   </p:cSld>
@@ -3823,7 +3825,7 @@
                   <a:schemeClr val="bg1"/>
                 </a:solidFill>
               </a:rPr>
-              <a:t>1/6</a:t>
+              <a:t>1/8</a:t>
             </a:r>
           </a:p>
         </p:txBody>
@@ -3831,7 +3833,7 @@
     </p:spTree>
     <p:extLst>
       <p:ext uri="{BB962C8B-B14F-4D97-AF65-F5344CB8AC3E}">
-        <p14:creationId xmlns:p14="http://schemas.microsoft.com/office/powerpoint/2010/main" val="2053699386"/>
+        <p14:creationId xmlns:p14="http://schemas.microsoft.com/office/powerpoint/2010/main" val="3823203610"/>
       </p:ext>
     </p:extLst>
   </p:cSld>
@@ -3977,7 +3979,7 @@
                   <a:schemeClr val="bg1"/>
                 </a:solidFill>
               </a:rPr>
-              <a:t>2/6</a:t>
+              <a:t>2/8</a:t>
             </a:r>
           </a:p>
         </p:txBody>
@@ -4147,7 +4149,7 @@
                   <a:schemeClr val="bg1"/>
                 </a:solidFill>
               </a:rPr>
-              <a:t>3/6</a:t>
+              <a:t>3/8</a:t>
             </a:r>
           </a:p>
         </p:txBody>
@@ -4301,7 +4303,7 @@
                   <a:schemeClr val="bg1"/>
                 </a:solidFill>
               </a:rPr>
-              <a:t>4/6</a:t>
+              <a:t>4/8</a:t>
             </a:r>
           </a:p>
         </p:txBody>
@@ -4435,7 +4437,7 @@
                   <a:schemeClr val="bg1"/>
                 </a:solidFill>
               </a:rPr>
-              <a:t>5/6</a:t>
+              <a:t>5/8</a:t>
             </a:r>
           </a:p>
         </p:txBody>
@@ -4589,7 +4591,7 @@
                   <a:schemeClr val="bg1"/>
                 </a:solidFill>
               </a:rPr>
-              <a:t>6/6</a:t>
+              <a:t>6/8</a:t>
             </a:r>
           </a:p>
         </p:txBody>
@@ -4598,6 +4600,314 @@
     <p:extLst>
       <p:ext uri="{BB962C8B-B14F-4D97-AF65-F5344CB8AC3E}">
         <p14:creationId xmlns:p14="http://schemas.microsoft.com/office/powerpoint/2010/main" val="1971221820"/>
+      </p:ext>
+    </p:extLst>
+  </p:cSld>
+  <p:clrMapOvr>
+    <a:masterClrMapping/>
+  </p:clrMapOvr>
+</p:sld>
+</file>
+
+<file path=ppt/slides/slide8.xml><?xml version="1.0" encoding="utf-8"?>
+<p:sld xmlns:a="http://schemas.openxmlformats.org/drawingml/2006/main" xmlns:r="http://schemas.openxmlformats.org/officeDocument/2006/relationships" xmlns:p="http://schemas.openxmlformats.org/presentationml/2006/main">
+  <p:cSld>
+    <p:spTree>
+      <p:nvGrpSpPr>
+        <p:cNvPr id="1" name="">
+          <a:extLst>
+            <a:ext uri="{FF2B5EF4-FFF2-40B4-BE49-F238E27FC236}">
+              <a16:creationId xmlns:a16="http://schemas.microsoft.com/office/drawing/2014/main" id="{2AF807EF-68A4-C761-9F69-8AE2B6F0CC19}"/>
+            </a:ext>
+          </a:extLst>
+        </p:cNvPr>
+        <p:cNvGrpSpPr/>
+        <p:nvPr/>
+      </p:nvGrpSpPr>
+      <p:grpSpPr>
+        <a:xfrm>
+          <a:off x="0" y="0"/>
+          <a:ext cx="0" cy="0"/>
+          <a:chOff x="0" y="0"/>
+          <a:chExt cx="0" cy="0"/>
+        </a:xfrm>
+      </p:grpSpPr>
+      <p:sp>
+        <p:nvSpPr>
+          <p:cNvPr id="3" name="Subtitle 2">
+            <a:extLst>
+              <a:ext uri="{FF2B5EF4-FFF2-40B4-BE49-F238E27FC236}">
+                <a16:creationId xmlns:a16="http://schemas.microsoft.com/office/drawing/2014/main" id="{46AFFF28-DE76-0271-0675-71E5402619AC}"/>
+              </a:ext>
+            </a:extLst>
+          </p:cNvPr>
+          <p:cNvSpPr>
+            <a:spLocks noGrp="1"/>
+          </p:cNvSpPr>
+          <p:nvPr>
+            <p:ph type="subTitle" idx="1"/>
+          </p:nvPr>
+        </p:nvSpPr>
+        <p:spPr>
+          <a:xfrm>
+            <a:off x="323528" y="836712"/>
+            <a:ext cx="8640960" cy="6480720"/>
+          </a:xfrm>
+        </p:spPr>
+        <p:txBody>
+          <a:bodyPr>
+            <a:noAutofit/>
+          </a:bodyPr>
+          <a:lstStyle/>
+          <a:p>
+            <a:r>
+              <a:rPr lang="en-GB" sz="3600" dirty="0">
+                <a:solidFill>
+                  <a:schemeClr val="bg1"/>
+                </a:solidFill>
+              </a:rPr>
+              <a:t>O Holy Spirit You have changed my life</a:t>
+            </a:r>
+          </a:p>
+          <a:p>
+            <a:r>
+              <a:rPr lang="en-GB" sz="3600" dirty="0">
+                <a:solidFill>
+                  <a:schemeClr val="bg1"/>
+                </a:solidFill>
+              </a:rPr>
+              <a:t>You comfort and direct me </a:t>
+            </a:r>
+          </a:p>
+          <a:p>
+            <a:r>
+              <a:rPr lang="en-GB" sz="3600" dirty="0">
+                <a:solidFill>
+                  <a:schemeClr val="bg1"/>
+                </a:solidFill>
+              </a:rPr>
+              <a:t>You have filled me with love</a:t>
+            </a:r>
+          </a:p>
+          <a:p>
+            <a:r>
+              <a:rPr lang="en-GB" sz="3600" dirty="0">
+                <a:solidFill>
+                  <a:schemeClr val="bg1"/>
+                </a:solidFill>
+              </a:rPr>
+              <a:t>Teacher and defender, you're my guide in time of need</a:t>
+            </a:r>
+          </a:p>
+          <a:p>
+            <a:r>
+              <a:rPr lang="en-GB" sz="3600" dirty="0">
+                <a:solidFill>
+                  <a:schemeClr val="bg1"/>
+                </a:solidFill>
+              </a:rPr>
+              <a:t>Lord I can't help but sing</a:t>
+            </a:r>
+          </a:p>
+        </p:txBody>
+      </p:sp>
+      <p:sp>
+        <p:nvSpPr>
+          <p:cNvPr id="4" name="TextBox 3">
+            <a:extLst>
+              <a:ext uri="{FF2B5EF4-FFF2-40B4-BE49-F238E27FC236}">
+                <a16:creationId xmlns:a16="http://schemas.microsoft.com/office/drawing/2014/main" id="{2D78B099-3ECA-1425-BA2C-CEBAC0CA961A}"/>
+              </a:ext>
+            </a:extLst>
+          </p:cNvPr>
+          <p:cNvSpPr txBox="1"/>
+          <p:nvPr/>
+        </p:nvSpPr>
+        <p:spPr>
+          <a:xfrm>
+            <a:off x="8529729" y="0"/>
+            <a:ext cx="628698" cy="461665"/>
+          </a:xfrm>
+          <a:prstGeom prst="rect">
+            <a:avLst/>
+          </a:prstGeom>
+          <a:noFill/>
+        </p:spPr>
+        <p:txBody>
+          <a:bodyPr wrap="none" rtlCol="0">
+            <a:spAutoFit/>
+          </a:bodyPr>
+          <a:lstStyle/>
+          <a:p>
+            <a:r>
+              <a:rPr lang="en-GB" sz="2400" b="1" dirty="0">
+                <a:solidFill>
+                  <a:schemeClr val="bg1"/>
+                </a:solidFill>
+              </a:rPr>
+              <a:t>7/8</a:t>
+            </a:r>
+          </a:p>
+        </p:txBody>
+      </p:sp>
+    </p:spTree>
+    <p:extLst>
+      <p:ext uri="{BB962C8B-B14F-4D97-AF65-F5344CB8AC3E}">
+        <p14:creationId xmlns:p14="http://schemas.microsoft.com/office/powerpoint/2010/main" val="1102972192"/>
+      </p:ext>
+    </p:extLst>
+  </p:cSld>
+  <p:clrMapOvr>
+    <a:masterClrMapping/>
+  </p:clrMapOvr>
+</p:sld>
+</file>
+
+<file path=ppt/slides/slide9.xml><?xml version="1.0" encoding="utf-8"?>
+<p:sld xmlns:a="http://schemas.openxmlformats.org/drawingml/2006/main" xmlns:r="http://schemas.openxmlformats.org/officeDocument/2006/relationships" xmlns:p="http://schemas.openxmlformats.org/presentationml/2006/main">
+  <p:cSld>
+    <p:spTree>
+      <p:nvGrpSpPr>
+        <p:cNvPr id="1" name="">
+          <a:extLst>
+            <a:ext uri="{FF2B5EF4-FFF2-40B4-BE49-F238E27FC236}">
+              <a16:creationId xmlns:a16="http://schemas.microsoft.com/office/drawing/2014/main" id="{6E56FF9E-0179-928E-3D6E-38B59A7D9E2B}"/>
+            </a:ext>
+          </a:extLst>
+        </p:cNvPr>
+        <p:cNvGrpSpPr/>
+        <p:nvPr/>
+      </p:nvGrpSpPr>
+      <p:grpSpPr>
+        <a:xfrm>
+          <a:off x="0" y="0"/>
+          <a:ext cx="0" cy="0"/>
+          <a:chOff x="0" y="0"/>
+          <a:chExt cx="0" cy="0"/>
+        </a:xfrm>
+      </p:grpSpPr>
+      <p:sp>
+        <p:nvSpPr>
+          <p:cNvPr id="3" name="Subtitle 2">
+            <a:extLst>
+              <a:ext uri="{FF2B5EF4-FFF2-40B4-BE49-F238E27FC236}">
+                <a16:creationId xmlns:a16="http://schemas.microsoft.com/office/drawing/2014/main" id="{6B3EF59B-41C1-45C9-D222-15A15D74E2F3}"/>
+              </a:ext>
+            </a:extLst>
+          </p:cNvPr>
+          <p:cNvSpPr>
+            <a:spLocks noGrp="1"/>
+          </p:cNvSpPr>
+          <p:nvPr>
+            <p:ph type="subTitle" idx="1"/>
+          </p:nvPr>
+        </p:nvSpPr>
+        <p:spPr>
+          <a:xfrm>
+            <a:off x="323528" y="836712"/>
+            <a:ext cx="8640960" cy="6480720"/>
+          </a:xfrm>
+        </p:spPr>
+        <p:txBody>
+          <a:bodyPr>
+            <a:noAutofit/>
+          </a:bodyPr>
+          <a:lstStyle/>
+          <a:p>
+            <a:r>
+              <a:rPr lang="en-GB" sz="3600" dirty="0">
+                <a:solidFill>
+                  <a:schemeClr val="bg1"/>
+                </a:solidFill>
+              </a:rPr>
+              <a:t>Faithful You are</a:t>
+            </a:r>
+          </a:p>
+          <a:p>
+            <a:r>
+              <a:rPr lang="en-GB" sz="3600" dirty="0">
+                <a:solidFill>
+                  <a:schemeClr val="bg1"/>
+                </a:solidFill>
+              </a:rPr>
+              <a:t>Faithful forever You will be</a:t>
+            </a:r>
+          </a:p>
+          <a:p>
+            <a:r>
+              <a:rPr lang="en-GB" sz="3600" dirty="0">
+                <a:solidFill>
+                  <a:schemeClr val="bg1"/>
+                </a:solidFill>
+              </a:rPr>
+              <a:t>Faithful You are</a:t>
+            </a:r>
+          </a:p>
+          <a:p>
+            <a:r>
+              <a:rPr lang="en-GB" sz="3600" dirty="0">
+                <a:solidFill>
+                  <a:schemeClr val="bg1"/>
+                </a:solidFill>
+              </a:rPr>
+              <a:t>All Your promises are Yes and Amen</a:t>
+            </a:r>
+          </a:p>
+          <a:p>
+            <a:r>
+              <a:rPr lang="en-GB" sz="3600" dirty="0">
+                <a:solidFill>
+                  <a:schemeClr val="bg1"/>
+                </a:solidFill>
+              </a:rPr>
+              <a:t>All Your promises are Yes and Amen</a:t>
+            </a:r>
+          </a:p>
+        </p:txBody>
+      </p:sp>
+      <p:sp>
+        <p:nvSpPr>
+          <p:cNvPr id="4" name="TextBox 3">
+            <a:extLst>
+              <a:ext uri="{FF2B5EF4-FFF2-40B4-BE49-F238E27FC236}">
+                <a16:creationId xmlns:a16="http://schemas.microsoft.com/office/drawing/2014/main" id="{DF2B105F-984F-36BD-FBD8-AFAD5B4DCDEA}"/>
+              </a:ext>
+            </a:extLst>
+          </p:cNvPr>
+          <p:cNvSpPr txBox="1"/>
+          <p:nvPr/>
+        </p:nvSpPr>
+        <p:spPr>
+          <a:xfrm>
+            <a:off x="8529729" y="0"/>
+            <a:ext cx="628698" cy="461665"/>
+          </a:xfrm>
+          <a:prstGeom prst="rect">
+            <a:avLst/>
+          </a:prstGeom>
+          <a:noFill/>
+        </p:spPr>
+        <p:txBody>
+          <a:bodyPr wrap="none" rtlCol="0">
+            <a:spAutoFit/>
+          </a:bodyPr>
+          <a:lstStyle/>
+          <a:p>
+            <a:r>
+              <a:rPr lang="en-GB" sz="2400" b="1" dirty="0">
+                <a:solidFill>
+                  <a:schemeClr val="bg1"/>
+                </a:solidFill>
+              </a:rPr>
+              <a:t>8/8</a:t>
+            </a:r>
+          </a:p>
+        </p:txBody>
+      </p:sp>
+    </p:spTree>
+    <p:extLst>
+      <p:ext uri="{BB962C8B-B14F-4D97-AF65-F5344CB8AC3E}">
+        <p14:creationId xmlns:p14="http://schemas.microsoft.com/office/powerpoint/2010/main" val="4056487214"/>
       </p:ext>
     </p:extLst>
   </p:cSld>
